--- a/Presentation.pptx
+++ b/Presentation.pptx
@@ -5,18 +5,16 @@
     <p:sldMasterId id="2147483696" r:id="rId1"/>
   </p:sldMasterIdLst>
   <p:notesMasterIdLst>
-    <p:notesMasterId r:id="rId11"/>
+    <p:notesMasterId r:id="rId9"/>
   </p:notesMasterIdLst>
   <p:sldIdLst>
     <p:sldId id="256" r:id="rId2"/>
     <p:sldId id="259" r:id="rId3"/>
     <p:sldId id="257" r:id="rId4"/>
     <p:sldId id="258" r:id="rId5"/>
-    <p:sldId id="260" r:id="rId6"/>
-    <p:sldId id="263" r:id="rId7"/>
-    <p:sldId id="264" r:id="rId8"/>
-    <p:sldId id="262" r:id="rId9"/>
-    <p:sldId id="261" r:id="rId10"/>
+    <p:sldId id="262" r:id="rId6"/>
+    <p:sldId id="260" r:id="rId7"/>
+    <p:sldId id="261" r:id="rId8"/>
   </p:sldIdLst>
   <p:sldSz cx="9144000" cy="6858000" type="screen4x3"/>
   <p:notesSz cx="6858000" cy="9144000"/>
@@ -5134,15 +5132,7 @@
             </a:r>
             <a:r>
               <a:rPr lang="en-US" dirty="0" smtClean="0"/>
-              <a:t> board used by the recruiting team is unprofessional looking and </a:t>
-            </a:r>
-            <a:r>
-              <a:rPr lang="en-US" dirty="0" err="1" smtClean="0"/>
-              <a:t>kinda</a:t>
-            </a:r>
-            <a:r>
-              <a:rPr lang="en-US" dirty="0" smtClean="0"/>
-              <a:t> lame.</a:t>
+              <a:t> board used by the recruiting team is unprofessional looking and kind of lame.</a:t>
             </a:r>
             <a:endParaRPr lang="en-US" dirty="0" smtClean="0"/>
           </a:p>
@@ -5171,12 +5161,42 @@
           <a:p>
             <a:r>
               <a:rPr lang="en-US" dirty="0" smtClean="0"/>
-              <a:t>What</a:t>
+              <a:t>Why?</a:t>
             </a:r>
             <a:endParaRPr lang="en-US" dirty="0"/>
           </a:p>
         </p:txBody>
       </p:sp>
+      <p:pic>
+        <p:nvPicPr>
+          <p:cNvPr id="4" name="Picture 3"/>
+          <p:cNvPicPr>
+            <a:picLocks noChangeAspect="1"/>
+          </p:cNvPicPr>
+          <p:nvPr/>
+        </p:nvPicPr>
+        <p:blipFill>
+          <a:blip r:embed="rId2" cstate="print">
+            <a:extLst>
+              <a:ext uri="{28A0092B-C50C-407E-A947-70E740481C1C}">
+                <a14:useLocalDpi xmlns:a14="http://schemas.microsoft.com/office/drawing/2010/main" val="0"/>
+              </a:ext>
+            </a:extLst>
+          </a:blip>
+          <a:stretch>
+            <a:fillRect/>
+          </a:stretch>
+        </p:blipFill>
+        <p:spPr>
+          <a:xfrm>
+            <a:off x="3505200" y="2438400"/>
+            <a:ext cx="2800350" cy="3733800"/>
+          </a:xfrm>
+          <a:prstGeom prst="rect">
+            <a:avLst/>
+          </a:prstGeom>
+        </p:spPr>
+      </p:pic>
     </p:spTree>
     <p:extLst>
       <p:ext uri="{BB962C8B-B14F-4D97-AF65-F5344CB8AC3E}">
@@ -5214,117 +5234,196 @@
           <a:chExt cx="0" cy="0"/>
         </a:xfrm>
       </p:grpSpPr>
-      <p:sp>
-        <p:nvSpPr>
-          <p:cNvPr id="2" name="Content Placeholder 1"/>
-          <p:cNvSpPr>
-            <a:spLocks noGrp="1"/>
-          </p:cNvSpPr>
-          <p:nvPr>
-            <p:ph idx="1"/>
-          </p:nvPr>
-        </p:nvSpPr>
-        <p:spPr/>
-        <p:txBody>
-          <a:bodyPr/>
-          <a:lstStyle/>
-          <a:p>
-            <a:r>
-              <a:rPr lang="en-US" dirty="0" smtClean="0"/>
-              <a:t>Developers</a:t>
-            </a:r>
-          </a:p>
-          <a:p>
-            <a:r>
-              <a:rPr lang="en-US" dirty="0" smtClean="0"/>
-              <a:t>Industry</a:t>
-            </a:r>
-          </a:p>
-          <a:p>
-            <a:r>
-              <a:rPr lang="en-US" dirty="0" smtClean="0"/>
-              <a:t>Product Consumers</a:t>
-            </a:r>
-          </a:p>
-        </p:txBody>
-      </p:sp>
-      <p:sp>
-        <p:nvSpPr>
-          <p:cNvPr id="3" name="Title 2"/>
-          <p:cNvSpPr>
-            <a:spLocks noGrp="1"/>
-          </p:cNvSpPr>
-          <p:nvPr>
-            <p:ph type="title"/>
-          </p:nvPr>
-        </p:nvSpPr>
-        <p:spPr/>
-        <p:txBody>
-          <a:bodyPr/>
-          <a:lstStyle/>
-          <a:p>
-            <a:r>
-              <a:rPr lang="en-US" dirty="0" smtClean="0"/>
-              <a:t>Who is affected?</a:t>
-            </a:r>
-            <a:endParaRPr lang="en-US" dirty="0"/>
-          </a:p>
-        </p:txBody>
-      </p:sp>
       <p:pic>
         <p:nvPicPr>
-          <p:cNvPr id="5" name="Picture 2"/>
+          <p:cNvPr id="4" name="Picture 3"/>
           <p:cNvPicPr>
-            <a:picLocks noChangeAspect="1" noChangeArrowheads="1"/>
+            <a:picLocks noChangeAspect="1"/>
           </p:cNvPicPr>
           <p:nvPr/>
         </p:nvPicPr>
         <p:blipFill>
-          <a:blip r:embed="rId2" cstate="print">
+          <a:blip r:embed="rId2">
             <a:extLst>
               <a:ext uri="{28A0092B-C50C-407E-A947-70E740481C1C}">
                 <a14:useLocalDpi xmlns:a14="http://schemas.microsoft.com/office/drawing/2010/main" val="0"/>
               </a:ext>
             </a:extLst>
           </a:blip>
-          <a:srcRect/>
           <a:stretch>
             <a:fillRect/>
           </a:stretch>
         </p:blipFill>
-        <p:spPr bwMode="auto">
+        <p:spPr>
           <a:xfrm>
-            <a:off x="4419600" y="1066800"/>
-            <a:ext cx="4430965" cy="5105400"/>
+            <a:off x="0" y="0"/>
+            <a:ext cx="9144000" cy="5225143"/>
           </a:xfrm>
           <a:prstGeom prst="rect">
             <a:avLst/>
           </a:prstGeom>
-          <a:noFill/>
-          <a:ln>
-            <a:noFill/>
-          </a:ln>
-          <a:extLst>
-            <a:ext uri="{909E8E84-426E-40DD-AFC4-6F175D3DCCD1}">
-              <a14:hiddenFill xmlns:a14="http://schemas.microsoft.com/office/drawing/2010/main">
-                <a:solidFill>
-                  <a:schemeClr val="accent1"/>
-                </a:solidFill>
-              </a14:hiddenFill>
-            </a:ext>
-            <a:ext uri="{91240B29-F687-4F45-9708-019B960494DF}">
-              <a14:hiddenLine xmlns:a14="http://schemas.microsoft.com/office/drawing/2010/main" w="9525">
-                <a:solidFill>
-                  <a:schemeClr val="tx1"/>
-                </a:solidFill>
-                <a:miter lim="800000"/>
-                <a:headEnd/>
-                <a:tailEnd/>
-              </a14:hiddenLine>
-            </a:ext>
-          </a:extLst>
         </p:spPr>
       </p:pic>
+      <p:sp>
+        <p:nvSpPr>
+          <p:cNvPr id="2" name="Content Placeholder 1"/>
+          <p:cNvSpPr>
+            <a:spLocks noGrp="1"/>
+          </p:cNvSpPr>
+          <p:nvPr>
+            <p:ph idx="1"/>
+          </p:nvPr>
+        </p:nvSpPr>
+        <p:spPr/>
+        <p:txBody>
+          <a:bodyPr/>
+          <a:lstStyle/>
+          <a:p>
+            <a:pPr marL="109728" indent="0">
+              <a:buNone/>
+            </a:pPr>
+            <a:r>
+              <a:rPr lang="en-US" dirty="0" smtClean="0">
+                <a:solidFill>
+                  <a:schemeClr val="bg1"/>
+                </a:solidFill>
+              </a:rPr>
+              <a:t>The </a:t>
+            </a:r>
+            <a:r>
+              <a:rPr lang="en-US" dirty="0">
+                <a:solidFill>
+                  <a:schemeClr val="bg1"/>
+                </a:solidFill>
+              </a:rPr>
+              <a:t>Leap Motion! </a:t>
+            </a:r>
+            <a:endParaRPr lang="en-US" sz="1800" dirty="0"/>
+          </a:p>
+          <a:p>
+            <a:pPr marL="109728" indent="0">
+              <a:buNone/>
+            </a:pPr>
+            <a:endParaRPr lang="en-US" sz="1800" dirty="0" smtClean="0"/>
+          </a:p>
+          <a:p>
+            <a:pPr marL="109728" indent="0">
+              <a:buNone/>
+            </a:pPr>
+            <a:endParaRPr lang="en-US" sz="1800" dirty="0"/>
+          </a:p>
+          <a:p>
+            <a:pPr marL="109728" indent="0">
+              <a:buNone/>
+            </a:pPr>
+            <a:endParaRPr lang="en-US" sz="1800" dirty="0" smtClean="0"/>
+          </a:p>
+          <a:p>
+            <a:pPr marL="109728" indent="0">
+              <a:buNone/>
+            </a:pPr>
+            <a:endParaRPr lang="en-US" sz="1800" dirty="0"/>
+          </a:p>
+          <a:p>
+            <a:pPr marL="109728" indent="0">
+              <a:buNone/>
+            </a:pPr>
+            <a:endParaRPr lang="en-US" sz="1800" dirty="0" smtClean="0"/>
+          </a:p>
+          <a:p>
+            <a:pPr marL="109728" indent="0">
+              <a:buNone/>
+            </a:pPr>
+            <a:endParaRPr lang="en-US" sz="1800" dirty="0"/>
+          </a:p>
+          <a:p>
+            <a:pPr marL="109728" indent="0">
+              <a:buNone/>
+            </a:pPr>
+            <a:endParaRPr lang="en-US" sz="1800" dirty="0" smtClean="0"/>
+          </a:p>
+          <a:p>
+            <a:pPr marL="109728" indent="0">
+              <a:buNone/>
+            </a:pPr>
+            <a:endParaRPr lang="en-US" sz="1800" dirty="0"/>
+          </a:p>
+          <a:p>
+            <a:pPr marL="109728" indent="0">
+              <a:buNone/>
+            </a:pPr>
+            <a:endParaRPr lang="en-US" sz="1800" dirty="0" smtClean="0"/>
+          </a:p>
+          <a:p>
+            <a:pPr marL="109728" indent="0">
+              <a:buNone/>
+            </a:pPr>
+            <a:endParaRPr lang="en-US" sz="1800" dirty="0"/>
+          </a:p>
+          <a:p>
+            <a:pPr marL="109728" indent="0">
+              <a:buNone/>
+            </a:pPr>
+            <a:endParaRPr lang="en-US" sz="1800" dirty="0" smtClean="0"/>
+          </a:p>
+          <a:p>
+            <a:pPr marL="109728" indent="0">
+              <a:buNone/>
+            </a:pPr>
+            <a:r>
+              <a:rPr lang="en-US" sz="1800" dirty="0">
+                <a:solidFill>
+                  <a:schemeClr val="bg1"/>
+                </a:solidFill>
+                <a:hlinkClick r:id="rId3"/>
+              </a:rPr>
+              <a:t>https://www.leapmotion.com/</a:t>
+            </a:r>
+            <a:endParaRPr lang="en-US" sz="1800" dirty="0">
+              <a:solidFill>
+                <a:schemeClr val="bg1"/>
+              </a:solidFill>
+            </a:endParaRPr>
+          </a:p>
+          <a:p>
+            <a:pPr marL="109728" indent="0">
+              <a:buNone/>
+            </a:pPr>
+            <a:endParaRPr lang="en-US" sz="1800" dirty="0" smtClean="0"/>
+          </a:p>
+        </p:txBody>
+      </p:sp>
+      <p:sp>
+        <p:nvSpPr>
+          <p:cNvPr id="3" name="Title 2"/>
+          <p:cNvSpPr>
+            <a:spLocks noGrp="1"/>
+          </p:cNvSpPr>
+          <p:nvPr>
+            <p:ph type="title"/>
+          </p:nvPr>
+        </p:nvSpPr>
+        <p:spPr/>
+        <p:txBody>
+          <a:bodyPr/>
+          <a:lstStyle/>
+          <a:p>
+            <a:r>
+              <a:rPr lang="en-US" dirty="0" smtClean="0">
+                <a:solidFill>
+                  <a:schemeClr val="bg1"/>
+                </a:solidFill>
+              </a:rPr>
+              <a:t>Why Indeed?</a:t>
+            </a:r>
+            <a:endParaRPr lang="en-US" dirty="0">
+              <a:solidFill>
+                <a:schemeClr val="bg1"/>
+              </a:solidFill>
+            </a:endParaRPr>
+          </a:p>
+        </p:txBody>
+      </p:sp>
     </p:spTree>
     <p:extLst>
       <p:ext uri="{BB962C8B-B14F-4D97-AF65-F5344CB8AC3E}">
@@ -5372,79 +5471,29 @@
             <p:ph idx="1"/>
           </p:nvPr>
         </p:nvSpPr>
-        <p:spPr/>
+        <p:spPr>
+          <a:xfrm>
+            <a:off x="457200" y="1481329"/>
+            <a:ext cx="8229600" cy="1490472"/>
+          </a:xfrm>
+        </p:spPr>
         <p:txBody>
           <a:bodyPr>
-            <a:normAutofit fontScale="92500" lnSpcReduction="10000"/>
+            <a:normAutofit/>
           </a:bodyPr>
           <a:lstStyle/>
           <a:p>
             <a:r>
               <a:rPr lang="en-US" dirty="0" smtClean="0"/>
-              <a:t>Determine if execution of a line of code contributes to the pass/fail result of a test</a:t>
+              <a:t>When can build Breakout</a:t>
             </a:r>
           </a:p>
           <a:p>
             <a:r>
               <a:rPr lang="en-US" dirty="0" smtClean="0"/>
-              <a:t>Provide reporting which allows weakly tested code to be easily identified and fixed</a:t>
-            </a:r>
-          </a:p>
-          <a:p>
+              <a:t>When can build Labyrinth</a:t>
+            </a:r>
             <a:endParaRPr lang="en-US" dirty="0" smtClean="0"/>
-          </a:p>
-          <a:p>
-            <a:pPr marL="109728" indent="0">
-              <a:buNone/>
-            </a:pPr>
-            <a:r>
-              <a:rPr lang="en-US" sz="4100" dirty="0" smtClean="0">
-                <a:solidFill>
-                  <a:schemeClr val="tx2"/>
-                </a:solidFill>
-                <a:effectLst>
-                  <a:outerShdw blurRad="38100" dist="38100" dir="2700000" algn="tl">
-                    <a:srgbClr val="000000">
-                      <a:alpha val="43137"/>
-                    </a:srgbClr>
-                  </a:outerShdw>
-                </a:effectLst>
-              </a:rPr>
-              <a:t>Pseudo-Algorithm</a:t>
-            </a:r>
-          </a:p>
-          <a:p>
-            <a:r>
-              <a:rPr lang="en-US" dirty="0" smtClean="0"/>
-              <a:t>Find ‘covered’ lines of code</a:t>
-            </a:r>
-          </a:p>
-          <a:p>
-            <a:r>
-              <a:rPr lang="en-US" dirty="0" smtClean="0"/>
-              <a:t>Systematically disable them</a:t>
-            </a:r>
-          </a:p>
-          <a:p>
-            <a:r>
-              <a:rPr lang="en-US" dirty="0" smtClean="0"/>
-              <a:t>Run the covering unit tests</a:t>
-            </a:r>
-          </a:p>
-          <a:p>
-            <a:r>
-              <a:rPr lang="en-US" dirty="0" smtClean="0"/>
-              <a:t>See if any tests fail</a:t>
-            </a:r>
-          </a:p>
-          <a:p>
-            <a:r>
-              <a:rPr lang="en-US" dirty="0" smtClean="0"/>
-              <a:t>If not, report them in the output as ‘untested’</a:t>
-            </a:r>
-          </a:p>
-          <a:p>
-            <a:endParaRPr lang="en-US" dirty="0"/>
           </a:p>
         </p:txBody>
       </p:sp>
@@ -5465,12 +5514,76 @@
           <a:p>
             <a:r>
               <a:rPr lang="en-US" dirty="0" smtClean="0"/>
-              <a:t>How do we fix the problem?</a:t>
+              <a:t>Why stop there</a:t>
+            </a:r>
+            <a:r>
+              <a:rPr lang="en-US" dirty="0" smtClean="0"/>
+              <a:t>?</a:t>
             </a:r>
             <a:endParaRPr lang="en-US" dirty="0"/>
           </a:p>
         </p:txBody>
       </p:sp>
+      <p:pic>
+        <p:nvPicPr>
+          <p:cNvPr id="7" name="Picture 6"/>
+          <p:cNvPicPr>
+            <a:picLocks noChangeAspect="1"/>
+          </p:cNvPicPr>
+          <p:nvPr/>
+        </p:nvPicPr>
+        <p:blipFill>
+          <a:blip r:embed="rId2">
+            <a:extLst>
+              <a:ext uri="{28A0092B-C50C-407E-A947-70E740481C1C}">
+                <a14:useLocalDpi xmlns:a14="http://schemas.microsoft.com/office/drawing/2010/main" val="0"/>
+              </a:ext>
+            </a:extLst>
+          </a:blip>
+          <a:stretch>
+            <a:fillRect/>
+          </a:stretch>
+        </p:blipFill>
+        <p:spPr>
+          <a:xfrm>
+            <a:off x="1066800" y="3276600"/>
+            <a:ext cx="3810000" cy="2286000"/>
+          </a:xfrm>
+          <a:prstGeom prst="rect">
+            <a:avLst/>
+          </a:prstGeom>
+        </p:spPr>
+      </p:pic>
+      <p:pic>
+        <p:nvPicPr>
+          <p:cNvPr id="8" name="Picture 7"/>
+          <p:cNvPicPr>
+            <a:picLocks noChangeAspect="1"/>
+          </p:cNvPicPr>
+          <p:nvPr/>
+        </p:nvPicPr>
+        <p:blipFill>
+          <a:blip r:embed="rId3">
+            <a:extLst>
+              <a:ext uri="{28A0092B-C50C-407E-A947-70E740481C1C}">
+                <a14:useLocalDpi xmlns:a14="http://schemas.microsoft.com/office/drawing/2010/main" val="0"/>
+              </a:ext>
+            </a:extLst>
+          </a:blip>
+          <a:stretch>
+            <a:fillRect/>
+          </a:stretch>
+        </p:blipFill>
+        <p:spPr>
+          <a:xfrm>
+            <a:off x="5791200" y="1143000"/>
+            <a:ext cx="2699657" cy="1771650"/>
+          </a:xfrm>
+          <a:prstGeom prst="rect">
+            <a:avLst/>
+          </a:prstGeom>
+        </p:spPr>
+      </p:pic>
     </p:spTree>
     <p:extLst>
       <p:ext uri="{BB962C8B-B14F-4D97-AF65-F5344CB8AC3E}">
@@ -5484,234 +5597,7 @@
   <p:timing>
     <p:tnLst>
       <p:par>
-        <p:cTn id="1" dur="indefinite" restart="never" nodeType="tmRoot">
-          <p:childTnLst>
-            <p:seq concurrent="1" nextAc="seek">
-              <p:cTn id="2" dur="indefinite" nodeType="mainSeq">
-                <p:childTnLst>
-                  <p:par>
-                    <p:cTn id="3" fill="hold">
-                      <p:stCondLst>
-                        <p:cond delay="indefinite"/>
-                      </p:stCondLst>
-                      <p:childTnLst>
-                        <p:par>
-                          <p:cTn id="4" fill="hold">
-                            <p:stCondLst>
-                              <p:cond delay="0"/>
-                            </p:stCondLst>
-                            <p:childTnLst>
-                              <p:par>
-                                <p:cTn id="5" presetID="1" presetClass="entr" presetSubtype="0" fill="hold" nodeType="clickEffect">
-                                  <p:stCondLst>
-                                    <p:cond delay="0"/>
-                                  </p:stCondLst>
-                                  <p:childTnLst>
-                                    <p:set>
-                                      <p:cBhvr>
-                                        <p:cTn id="6" dur="1" fill="hold">
-                                          <p:stCondLst>
-                                            <p:cond delay="0"/>
-                                          </p:stCondLst>
-                                        </p:cTn>
-                                        <p:tgtEl>
-                                          <p:spTgt spid="2">
-                                            <p:txEl>
-                                              <p:pRg st="3" end="3"/>
-                                            </p:txEl>
-                                          </p:spTgt>
-                                        </p:tgtEl>
-                                        <p:attrNameLst>
-                                          <p:attrName>style.visibility</p:attrName>
-                                        </p:attrNameLst>
-                                      </p:cBhvr>
-                                      <p:to>
-                                        <p:strVal val="visible"/>
-                                      </p:to>
-                                    </p:set>
-                                  </p:childTnLst>
-                                </p:cTn>
-                              </p:par>
-                              <p:par>
-                                <p:cTn id="7" presetID="1" presetClass="entr" presetSubtype="0" fill="hold" nodeType="withEffect">
-                                  <p:stCondLst>
-                                    <p:cond delay="0"/>
-                                  </p:stCondLst>
-                                  <p:childTnLst>
-                                    <p:set>
-                                      <p:cBhvr>
-                                        <p:cTn id="8" dur="1" fill="hold">
-                                          <p:stCondLst>
-                                            <p:cond delay="0"/>
-                                          </p:stCondLst>
-                                        </p:cTn>
-                                        <p:tgtEl>
-                                          <p:spTgt spid="2">
-                                            <p:txEl>
-                                              <p:pRg st="4" end="4"/>
-                                            </p:txEl>
-                                          </p:spTgt>
-                                        </p:tgtEl>
-                                        <p:attrNameLst>
-                                          <p:attrName>style.visibility</p:attrName>
-                                        </p:attrNameLst>
-                                      </p:cBhvr>
-                                      <p:to>
-                                        <p:strVal val="visible"/>
-                                      </p:to>
-                                    </p:set>
-                                  </p:childTnLst>
-                                </p:cTn>
-                              </p:par>
-                              <p:par>
-                                <p:cTn id="9" presetID="1" presetClass="entr" presetSubtype="0" fill="hold" nodeType="withEffect">
-                                  <p:stCondLst>
-                                    <p:cond delay="0"/>
-                                  </p:stCondLst>
-                                  <p:childTnLst>
-                                    <p:set>
-                                      <p:cBhvr>
-                                        <p:cTn id="10" dur="1" fill="hold">
-                                          <p:stCondLst>
-                                            <p:cond delay="0"/>
-                                          </p:stCondLst>
-                                        </p:cTn>
-                                        <p:tgtEl>
-                                          <p:spTgt spid="2">
-                                            <p:txEl>
-                                              <p:pRg st="5" end="5"/>
-                                            </p:txEl>
-                                          </p:spTgt>
-                                        </p:tgtEl>
-                                        <p:attrNameLst>
-                                          <p:attrName>style.visibility</p:attrName>
-                                        </p:attrNameLst>
-                                      </p:cBhvr>
-                                      <p:to>
-                                        <p:strVal val="visible"/>
-                                      </p:to>
-                                    </p:set>
-                                  </p:childTnLst>
-                                </p:cTn>
-                              </p:par>
-                              <p:par>
-                                <p:cTn id="11" presetID="1" presetClass="entr" presetSubtype="0" fill="hold" nodeType="withEffect">
-                                  <p:stCondLst>
-                                    <p:cond delay="0"/>
-                                  </p:stCondLst>
-                                  <p:childTnLst>
-                                    <p:set>
-                                      <p:cBhvr>
-                                        <p:cTn id="12" dur="1" fill="hold">
-                                          <p:stCondLst>
-                                            <p:cond delay="0"/>
-                                          </p:stCondLst>
-                                        </p:cTn>
-                                        <p:tgtEl>
-                                          <p:spTgt spid="2">
-                                            <p:txEl>
-                                              <p:pRg st="6" end="6"/>
-                                            </p:txEl>
-                                          </p:spTgt>
-                                        </p:tgtEl>
-                                        <p:attrNameLst>
-                                          <p:attrName>style.visibility</p:attrName>
-                                        </p:attrNameLst>
-                                      </p:cBhvr>
-                                      <p:to>
-                                        <p:strVal val="visible"/>
-                                      </p:to>
-                                    </p:set>
-                                  </p:childTnLst>
-                                </p:cTn>
-                              </p:par>
-                              <p:par>
-                                <p:cTn id="13" presetID="1" presetClass="entr" presetSubtype="0" fill="hold" nodeType="withEffect">
-                                  <p:stCondLst>
-                                    <p:cond delay="0"/>
-                                  </p:stCondLst>
-                                  <p:childTnLst>
-                                    <p:set>
-                                      <p:cBhvr>
-                                        <p:cTn id="14" dur="1" fill="hold">
-                                          <p:stCondLst>
-                                            <p:cond delay="0"/>
-                                          </p:stCondLst>
-                                        </p:cTn>
-                                        <p:tgtEl>
-                                          <p:spTgt spid="2">
-                                            <p:txEl>
-                                              <p:pRg st="7" end="7"/>
-                                            </p:txEl>
-                                          </p:spTgt>
-                                        </p:tgtEl>
-                                        <p:attrNameLst>
-                                          <p:attrName>style.visibility</p:attrName>
-                                        </p:attrNameLst>
-                                      </p:cBhvr>
-                                      <p:to>
-                                        <p:strVal val="visible"/>
-                                      </p:to>
-                                    </p:set>
-                                  </p:childTnLst>
-                                </p:cTn>
-                              </p:par>
-                              <p:par>
-                                <p:cTn id="15" presetID="1" presetClass="entr" presetSubtype="0" fill="hold" nodeType="withEffect">
-                                  <p:stCondLst>
-                                    <p:cond delay="0"/>
-                                  </p:stCondLst>
-                                  <p:childTnLst>
-                                    <p:set>
-                                      <p:cBhvr>
-                                        <p:cTn id="16" dur="1" fill="hold">
-                                          <p:stCondLst>
-                                            <p:cond delay="0"/>
-                                          </p:stCondLst>
-                                        </p:cTn>
-                                        <p:tgtEl>
-                                          <p:spTgt spid="2">
-                                            <p:txEl>
-                                              <p:pRg st="8" end="8"/>
-                                            </p:txEl>
-                                          </p:spTgt>
-                                        </p:tgtEl>
-                                        <p:attrNameLst>
-                                          <p:attrName>style.visibility</p:attrName>
-                                        </p:attrNameLst>
-                                      </p:cBhvr>
-                                      <p:to>
-                                        <p:strVal val="visible"/>
-                                      </p:to>
-                                    </p:set>
-                                  </p:childTnLst>
-                                </p:cTn>
-                              </p:par>
-                            </p:childTnLst>
-                          </p:cTn>
-                        </p:par>
-                      </p:childTnLst>
-                    </p:cTn>
-                  </p:par>
-                </p:childTnLst>
-              </p:cTn>
-              <p:prevCondLst>
-                <p:cond evt="onPrev" delay="0">
-                  <p:tgtEl>
-                    <p:sldTgt/>
-                  </p:tgtEl>
-                </p:cond>
-              </p:prevCondLst>
-              <p:nextCondLst>
-                <p:cond evt="onNext" delay="0">
-                  <p:tgtEl>
-                    <p:sldTgt/>
-                  </p:tgtEl>
-                </p:cond>
-              </p:nextCondLst>
-            </p:seq>
-          </p:childTnLst>
-        </p:cTn>
+        <p:cTn id="1" dur="indefinite" restart="never" nodeType="tmRoot"/>
       </p:par>
     </p:tnLst>
   </p:timing>
@@ -5737,12 +5623,12 @@
       </p:grpSpPr>
       <p:sp>
         <p:nvSpPr>
-          <p:cNvPr id="3" name="Title 2"/>
-          <p:cNvSpPr>
-            <a:spLocks noGrp="1"/>
-          </p:cNvSpPr>
-          <p:nvPr>
-            <p:ph type="ctrTitle"/>
+          <p:cNvPr id="2" name="Content Placeholder 1"/>
+          <p:cNvSpPr>
+            <a:spLocks noGrp="1"/>
+          </p:cNvSpPr>
+          <p:nvPr>
+            <p:ph idx="1"/>
           </p:nvPr>
         </p:nvSpPr>
         <p:spPr/>
@@ -5752,20 +5638,40 @@
           <a:p>
             <a:r>
               <a:rPr lang="en-US" dirty="0" smtClean="0"/>
-              <a:t>What We Did</a:t>
-            </a:r>
-            <a:endParaRPr lang="en-US" dirty="0"/>
-          </a:p>
-        </p:txBody>
-      </p:sp>
-      <p:sp>
-        <p:nvSpPr>
-          <p:cNvPr id="5" name="Subtitle 4"/>
-          <p:cNvSpPr>
-            <a:spLocks noGrp="1"/>
-          </p:cNvSpPr>
-          <p:nvPr>
-            <p:ph type="subTitle" idx="1"/>
+              <a:t>Leap Motion</a:t>
+            </a:r>
+            <a:endParaRPr lang="en-US" dirty="0" smtClean="0"/>
+          </a:p>
+          <a:p>
+            <a:r>
+              <a:rPr lang="en-US" dirty="0" smtClean="0"/>
+              <a:t>Leap Motion SDK</a:t>
+            </a:r>
+          </a:p>
+          <a:p>
+            <a:r>
+              <a:rPr lang="en-US" dirty="0" smtClean="0"/>
+              <a:t>Unity 5.0</a:t>
+            </a:r>
+            <a:endParaRPr lang="en-US" dirty="0" smtClean="0"/>
+          </a:p>
+          <a:p>
+            <a:r>
+              <a:rPr lang="en-US" dirty="0" smtClean="0"/>
+              <a:t>Blender</a:t>
+            </a:r>
+            <a:endParaRPr lang="en-US" dirty="0" smtClean="0"/>
+          </a:p>
+        </p:txBody>
+      </p:sp>
+      <p:sp>
+        <p:nvSpPr>
+          <p:cNvPr id="3" name="Title 2"/>
+          <p:cNvSpPr>
+            <a:spLocks noGrp="1"/>
+          </p:cNvSpPr>
+          <p:nvPr>
+            <p:ph type="title"/>
           </p:nvPr>
         </p:nvSpPr>
         <p:spPr/>
@@ -5773,55 +5679,18 @@
           <a:bodyPr/>
           <a:lstStyle/>
           <a:p>
+            <a:r>
+              <a:rPr lang="en-US" dirty="0" smtClean="0"/>
+              <a:t>How do we do that!</a:t>
+            </a:r>
             <a:endParaRPr lang="en-US" dirty="0"/>
           </a:p>
         </p:txBody>
       </p:sp>
-      <p:pic>
-        <p:nvPicPr>
-          <p:cNvPr id="1026" name="Picture 2" descr="http://www.toptenz.net/wp-content/uploads/2012/04/moneybag.jpg"/>
-          <p:cNvPicPr>
-            <a:picLocks noChangeAspect="1" noChangeArrowheads="1"/>
-          </p:cNvPicPr>
-          <p:nvPr/>
-        </p:nvPicPr>
-        <p:blipFill>
-          <a:blip r:embed="rId2" cstate="print">
-            <a:extLst>
-              <a:ext uri="{28A0092B-C50C-407E-A947-70E740481C1C}">
-                <a14:useLocalDpi xmlns:a14="http://schemas.microsoft.com/office/drawing/2010/main" val="0"/>
-              </a:ext>
-            </a:extLst>
-          </a:blip>
-          <a:srcRect/>
-          <a:stretch>
-            <a:fillRect/>
-          </a:stretch>
-        </p:blipFill>
-        <p:spPr bwMode="auto">
-          <a:xfrm>
-            <a:off x="457200" y="1143000"/>
-            <a:ext cx="3581400" cy="3581400"/>
-          </a:xfrm>
-          <a:prstGeom prst="rect">
-            <a:avLst/>
-          </a:prstGeom>
-          <a:noFill/>
-          <a:extLst>
-            <a:ext uri="{909E8E84-426E-40DD-AFC4-6F175D3DCCD1}">
-              <a14:hiddenFill xmlns:a14="http://schemas.microsoft.com/office/drawing/2010/main">
-                <a:solidFill>
-                  <a:srgbClr val="FFFFFF"/>
-                </a:solidFill>
-              </a14:hiddenFill>
-            </a:ext>
-          </a:extLst>
-        </p:spPr>
-      </p:pic>
     </p:spTree>
     <p:extLst>
       <p:ext uri="{BB962C8B-B14F-4D97-AF65-F5344CB8AC3E}">
-        <p14:creationId xmlns:p14="http://schemas.microsoft.com/office/powerpoint/2010/main" val="350267518"/>
+        <p14:creationId xmlns:p14="http://schemas.microsoft.com/office/powerpoint/2010/main" val="3758529829"/>
       </p:ext>
     </p:extLst>
   </p:cSld>
@@ -5857,98 +5726,133 @@
       </p:grpSpPr>
       <p:sp>
         <p:nvSpPr>
-          <p:cNvPr id="2" name="TextBox 1"/>
-          <p:cNvSpPr txBox="1"/>
-          <p:nvPr/>
+          <p:cNvPr id="3" name="Title 2"/>
+          <p:cNvSpPr>
+            <a:spLocks noGrp="1"/>
+          </p:cNvSpPr>
+          <p:nvPr>
+            <p:ph type="ctrTitle"/>
+          </p:nvPr>
         </p:nvSpPr>
         <p:spPr>
           <a:xfrm>
-            <a:off x="685800" y="609600"/>
-            <a:ext cx="7180171" cy="461665"/>
+            <a:off x="914400" y="152400"/>
+            <a:ext cx="7772400" cy="1829761"/>
+          </a:xfrm>
+        </p:spPr>
+        <p:txBody>
+          <a:bodyPr/>
+          <a:lstStyle/>
+          <a:p>
+            <a:r>
+              <a:rPr lang="en-US" dirty="0" smtClean="0"/>
+              <a:t>What We Did</a:t>
+            </a:r>
+            <a:endParaRPr lang="en-US" dirty="0"/>
+          </a:p>
+        </p:txBody>
+      </p:sp>
+      <p:pic>
+        <p:nvPicPr>
+          <p:cNvPr id="2" name="Picture 1"/>
+          <p:cNvPicPr>
+            <a:picLocks noChangeAspect="1"/>
+          </p:cNvPicPr>
+          <p:nvPr/>
+        </p:nvPicPr>
+        <p:blipFill>
+          <a:blip r:embed="rId2"/>
+          <a:stretch>
+            <a:fillRect/>
+          </a:stretch>
+        </p:blipFill>
+        <p:spPr>
+          <a:xfrm>
+            <a:off x="4419600" y="2438400"/>
+            <a:ext cx="4073434" cy="2849425"/>
           </a:xfrm>
           <a:prstGeom prst="rect">
             <a:avLst/>
           </a:prstGeom>
-          <a:noFill/>
         </p:spPr>
-        <p:txBody>
-          <a:bodyPr wrap="none" rtlCol="0">
-            <a:spAutoFit/>
-          </a:bodyPr>
-          <a:lstStyle/>
-          <a:p>
-            <a:r>
-              <a:rPr lang="en-US" sz="2400" b="1" dirty="0" smtClean="0"/>
-              <a:t>Reporting lines that are covered but not tested</a:t>
-            </a:r>
-            <a:endParaRPr lang="en-US" sz="2400" b="1" dirty="0"/>
-          </a:p>
-        </p:txBody>
-      </p:sp>
+      </p:pic>
       <p:pic>
         <p:nvPicPr>
-          <p:cNvPr id="1028" name="Picture 4"/>
+          <p:cNvPr id="4" name="Picture 3"/>
           <p:cNvPicPr>
-            <a:picLocks noChangeAspect="1" noChangeArrowheads="1"/>
+            <a:picLocks noChangeAspect="1"/>
           </p:cNvPicPr>
           <p:nvPr/>
         </p:nvPicPr>
         <p:blipFill>
-          <a:blip r:embed="rId2">
+          <a:blip r:embed="rId3" cstate="print">
             <a:extLst>
               <a:ext uri="{28A0092B-C50C-407E-A947-70E740481C1C}">
                 <a14:useLocalDpi xmlns:a14="http://schemas.microsoft.com/office/drawing/2010/main" val="0"/>
               </a:ext>
             </a:extLst>
           </a:blip>
-          <a:srcRect/>
           <a:stretch>
             <a:fillRect/>
           </a:stretch>
         </p:blipFill>
-        <p:spPr bwMode="auto">
+        <p:spPr>
           <a:xfrm>
-            <a:off x="842122" y="1190994"/>
-            <a:ext cx="6867525" cy="4552950"/>
+            <a:off x="838200" y="457200"/>
+            <a:ext cx="2140235" cy="2033956"/>
           </a:xfrm>
           <a:prstGeom prst="rect">
             <a:avLst/>
           </a:prstGeom>
-          <a:noFill/>
-          <a:ln>
-            <a:noFill/>
-          </a:ln>
-          <a:extLst>
-            <a:ext uri="{909E8E84-426E-40DD-AFC4-6F175D3DCCD1}">
-              <a14:hiddenFill xmlns:a14="http://schemas.microsoft.com/office/drawing/2010/main">
-                <a:solidFill>
-                  <a:schemeClr val="accent1"/>
-                </a:solidFill>
-              </a14:hiddenFill>
-            </a:ext>
-            <a:ext uri="{91240B29-F687-4F45-9708-019B960494DF}">
-              <a14:hiddenLine xmlns:a14="http://schemas.microsoft.com/office/drawing/2010/main" w="9525">
-                <a:solidFill>
-                  <a:schemeClr val="tx1"/>
-                </a:solidFill>
-                <a:miter lim="800000"/>
-                <a:headEnd/>
-                <a:tailEnd/>
-              </a14:hiddenLine>
-            </a:ext>
-          </a:extLst>
+        </p:spPr>
+      </p:pic>
+      <p:pic>
+        <p:nvPicPr>
+          <p:cNvPr id="7" name="Picture 6"/>
+          <p:cNvPicPr>
+            <a:picLocks noChangeAspect="1"/>
+          </p:cNvPicPr>
+          <p:nvPr/>
+        </p:nvPicPr>
+        <p:blipFill>
+          <a:blip r:embed="rId4">
+            <a:extLst>
+              <a:ext uri="{28A0092B-C50C-407E-A947-70E740481C1C}">
+                <a14:useLocalDpi xmlns:a14="http://schemas.microsoft.com/office/drawing/2010/main" val="0"/>
+              </a:ext>
+            </a:extLst>
+          </a:blip>
+          <a:stretch>
+            <a:fillRect/>
+          </a:stretch>
+        </p:blipFill>
+        <p:spPr>
+          <a:xfrm>
+            <a:off x="228600" y="3810000"/>
+            <a:ext cx="3810000" cy="2286000"/>
+          </a:xfrm>
+          <a:prstGeom prst="rect">
+            <a:avLst/>
+          </a:prstGeom>
         </p:spPr>
       </p:pic>
     </p:spTree>
     <p:extLst>
       <p:ext uri="{BB962C8B-B14F-4D97-AF65-F5344CB8AC3E}">
-        <p14:creationId xmlns:p14="http://schemas.microsoft.com/office/powerpoint/2010/main" val="225558106"/>
+        <p14:creationId xmlns:p14="http://schemas.microsoft.com/office/powerpoint/2010/main" val="350267518"/>
       </p:ext>
     </p:extLst>
   </p:cSld>
   <p:clrMapOvr>
     <a:masterClrMapping/>
   </p:clrMapOvr>
+  <p:timing>
+    <p:tnLst>
+      <p:par>
+        <p:cTn id="1" dur="indefinite" restart="never" nodeType="tmRoot"/>
+      </p:par>
+    </p:tnLst>
+  </p:timing>
 </p:sld>
 </file>
 
@@ -5971,14 +5875,72 @@
       </p:grpSpPr>
       <p:sp>
         <p:nvSpPr>
-          <p:cNvPr id="2" name="TextBox 1"/>
+          <p:cNvPr id="3" name="Title 2"/>
+          <p:cNvSpPr>
+            <a:spLocks noGrp="1"/>
+          </p:cNvSpPr>
+          <p:nvPr>
+            <p:ph type="title"/>
+          </p:nvPr>
+        </p:nvSpPr>
+        <p:spPr>
+          <a:xfrm>
+            <a:off x="457200" y="274638"/>
+            <a:ext cx="8229600" cy="5364162"/>
+          </a:xfrm>
+        </p:spPr>
+        <p:txBody>
+          <a:bodyPr>
+            <a:normAutofit/>
+          </a:bodyPr>
+          <a:lstStyle/>
+          <a:p>
+            <a:r>
+              <a:rPr lang="en-US" dirty="0" smtClean="0"/>
+              <a:t>Questions   </a:t>
+            </a:r>
+            <a:br>
+              <a:rPr lang="en-US" dirty="0" smtClean="0"/>
+            </a:br>
+            <a:r>
+              <a:rPr lang="en-US" dirty="0"/>
+              <a:t/>
+            </a:r>
+            <a:br>
+              <a:rPr lang="en-US" dirty="0"/>
+            </a:br>
+            <a:r>
+              <a:rPr lang="en-US" dirty="0" smtClean="0"/>
+              <a:t>Praise</a:t>
+            </a:r>
+            <a:br>
+              <a:rPr lang="en-US" dirty="0" smtClean="0"/>
+            </a:br>
+            <a:r>
+              <a:rPr lang="en-US" dirty="0"/>
+              <a:t/>
+            </a:r>
+            <a:br>
+              <a:rPr lang="en-US" dirty="0"/>
+            </a:br>
+            <a:r>
+              <a:rPr lang="en-US" dirty="0" err="1" smtClean="0"/>
+              <a:t>Critisism</a:t>
+            </a:r>
+            <a:endParaRPr lang="en-US" dirty="0"/>
+          </a:p>
+        </p:txBody>
+      </p:sp>
+      <p:sp>
+        <p:nvSpPr>
+          <p:cNvPr id="4" name="TextBox 3"/>
           <p:cNvSpPr txBox="1"/>
           <p:nvPr/>
         </p:nvSpPr>
         <p:spPr>
           <a:xfrm>
-            <a:off x="685800" y="609600"/>
-            <a:ext cx="3259226" cy="461665"/>
+            <a:off x="7315200" y="6324600"/>
+            <a:ext cx="1758815" cy="369332"/>
           </a:xfrm>
           <a:prstGeom prst="rect">
             <a:avLst/>
@@ -5991,19 +5953,20 @@
           </a:bodyPr>
           <a:lstStyle/>
           <a:p>
-            <a:r>
-              <a:rPr lang="en-US" sz="2400" b="1" dirty="0" smtClean="0"/>
-              <a:t>How we analyze that</a:t>
-            </a:r>
-            <a:endParaRPr lang="en-US" sz="2400" b="1" dirty="0"/>
+            <a:pPr algn="ctr"/>
+            <a:r>
+              <a:rPr lang="en-US" dirty="0" smtClean="0"/>
+              <a:t>(?) = Untested</a:t>
+            </a:r>
+            <a:endParaRPr lang="en-US" dirty="0"/>
           </a:p>
         </p:txBody>
       </p:sp>
       <p:pic>
         <p:nvPicPr>
-          <p:cNvPr id="2050" name="Picture 2"/>
+          <p:cNvPr id="8" name="Picture 7"/>
           <p:cNvPicPr>
-            <a:picLocks noChangeAspect="1" noChangeArrowheads="1"/>
+            <a:picLocks noChangeAspect="1"/>
           </p:cNvPicPr>
           <p:nvPr/>
         </p:nvPicPr>
@@ -6015,49 +5978,25 @@
               </a:ext>
             </a:extLst>
           </a:blip>
-          <a:srcRect/>
           <a:stretch>
             <a:fillRect/>
           </a:stretch>
         </p:blipFill>
-        <p:spPr bwMode="auto">
+        <p:spPr>
           <a:xfrm>
-            <a:off x="665825" y="3093127"/>
-            <a:ext cx="6096000" cy="2619951"/>
+            <a:off x="2895600" y="3733800"/>
+            <a:ext cx="914400" cy="990600"/>
           </a:xfrm>
           <a:prstGeom prst="rect">
             <a:avLst/>
           </a:prstGeom>
-          <a:noFill/>
-          <a:ln>
-            <a:noFill/>
-          </a:ln>
-          <a:extLst>
-            <a:ext uri="{909E8E84-426E-40DD-AFC4-6F175D3DCCD1}">
-              <a14:hiddenFill xmlns:a14="http://schemas.microsoft.com/office/drawing/2010/main">
-                <a:solidFill>
-                  <a:schemeClr val="accent1"/>
-                </a:solidFill>
-              </a14:hiddenFill>
-            </a:ext>
-            <a:ext uri="{91240B29-F687-4F45-9708-019B960494DF}">
-              <a14:hiddenLine xmlns:a14="http://schemas.microsoft.com/office/drawing/2010/main" w="9525">
-                <a:solidFill>
-                  <a:schemeClr val="tx1"/>
-                </a:solidFill>
-                <a:miter lim="800000"/>
-                <a:headEnd/>
-                <a:tailEnd/>
-              </a14:hiddenLine>
-            </a:ext>
-          </a:extLst>
         </p:spPr>
       </p:pic>
       <p:pic>
         <p:nvPicPr>
-          <p:cNvPr id="2051" name="Picture 3"/>
+          <p:cNvPr id="9" name="Picture 8"/>
           <p:cNvPicPr>
-            <a:picLocks noChangeAspect="1" noChangeArrowheads="1"/>
+            <a:picLocks noChangeAspect="1"/>
           </p:cNvPicPr>
           <p:nvPr/>
         </p:nvPicPr>
@@ -6069,356 +6008,50 @@
               </a:ext>
             </a:extLst>
           </a:blip>
-          <a:srcRect/>
           <a:stretch>
             <a:fillRect/>
           </a:stretch>
         </p:blipFill>
-        <p:spPr bwMode="auto">
+        <p:spPr>
           <a:xfrm>
-            <a:off x="685800" y="1143000"/>
-            <a:ext cx="3790950" cy="1609725"/>
+            <a:off x="3276600" y="1143000"/>
+            <a:ext cx="914400" cy="1028700"/>
           </a:xfrm>
           <a:prstGeom prst="rect">
             <a:avLst/>
           </a:prstGeom>
-          <a:noFill/>
-          <a:ln>
-            <a:noFill/>
-          </a:ln>
-          <a:extLst>
-            <a:ext uri="{909E8E84-426E-40DD-AFC4-6F175D3DCCD1}">
-              <a14:hiddenFill xmlns:a14="http://schemas.microsoft.com/office/drawing/2010/main">
-                <a:solidFill>
-                  <a:schemeClr val="accent1"/>
-                </a:solidFill>
-              </a14:hiddenFill>
-            </a:ext>
-            <a:ext uri="{91240B29-F687-4F45-9708-019B960494DF}">
-              <a14:hiddenLine xmlns:a14="http://schemas.microsoft.com/office/drawing/2010/main" w="9525">
-                <a:solidFill>
-                  <a:schemeClr val="tx1"/>
-                </a:solidFill>
-                <a:miter lim="800000"/>
-                <a:headEnd/>
-                <a:tailEnd/>
-              </a14:hiddenLine>
-            </a:ext>
-          </a:extLst>
         </p:spPr>
       </p:pic>
-    </p:spTree>
-    <p:extLst>
-      <p:ext uri="{BB962C8B-B14F-4D97-AF65-F5344CB8AC3E}">
-        <p14:creationId xmlns:p14="http://schemas.microsoft.com/office/powerpoint/2010/main" val="2620515460"/>
-      </p:ext>
-    </p:extLst>
-  </p:cSld>
-  <p:clrMapOvr>
-    <a:masterClrMapping/>
-  </p:clrMapOvr>
-</p:sld>
-</file>
-
-<file path=ppt/slides/slide8.xml><?xml version="1.0" encoding="utf-8"?>
-<p:sld xmlns:a="http://schemas.openxmlformats.org/drawingml/2006/main" xmlns:r="http://schemas.openxmlformats.org/officeDocument/2006/relationships" xmlns:p="http://schemas.openxmlformats.org/presentationml/2006/main">
-  <p:cSld>
-    <p:spTree>
-      <p:nvGrpSpPr>
-        <p:cNvPr id="1" name=""/>
-        <p:cNvGrpSpPr/>
-        <p:nvPr/>
-      </p:nvGrpSpPr>
-      <p:grpSpPr>
-        <a:xfrm>
-          <a:off x="0" y="0"/>
-          <a:ext cx="0" cy="0"/>
-          <a:chOff x="0" y="0"/>
-          <a:chExt cx="0" cy="0"/>
-        </a:xfrm>
-      </p:grpSpPr>
-      <p:sp>
-        <p:nvSpPr>
-          <p:cNvPr id="2" name="Content Placeholder 1"/>
-          <p:cNvSpPr>
-            <a:spLocks noGrp="1"/>
-          </p:cNvSpPr>
-          <p:nvPr>
-            <p:ph idx="1"/>
-          </p:nvPr>
-        </p:nvSpPr>
-        <p:spPr/>
-        <p:txBody>
-          <a:bodyPr/>
-          <a:lstStyle/>
-          <a:p>
-            <a:r>
-              <a:rPr lang="en-US" dirty="0" err="1" smtClean="0"/>
-              <a:t>Nrefactory</a:t>
-            </a:r>
-            <a:endParaRPr lang="en-US" dirty="0" smtClean="0"/>
-          </a:p>
-          <a:p>
-            <a:r>
-              <a:rPr lang="en-US" dirty="0" err="1" smtClean="0"/>
-              <a:t>Nunit</a:t>
-            </a:r>
-            <a:endParaRPr lang="en-US" dirty="0" smtClean="0"/>
-          </a:p>
-          <a:p>
-            <a:r>
-              <a:rPr lang="en-US" dirty="0" err="1" smtClean="0"/>
-              <a:t>OpenCover</a:t>
-            </a:r>
-            <a:endParaRPr lang="en-US" dirty="0" smtClean="0"/>
-          </a:p>
-          <a:p>
-            <a:r>
-              <a:rPr lang="en-US" dirty="0" err="1" smtClean="0"/>
-              <a:t>ReportGenerator</a:t>
-            </a:r>
-            <a:endParaRPr lang="en-US" dirty="0" smtClean="0"/>
-          </a:p>
-          <a:p>
-            <a:r>
-              <a:rPr lang="en-US" dirty="0" smtClean="0"/>
-              <a:t>Prettify</a:t>
-            </a:r>
-          </a:p>
-          <a:p>
-            <a:r>
-              <a:rPr lang="en-US" dirty="0" smtClean="0"/>
-              <a:t>NPOI</a:t>
-            </a:r>
-          </a:p>
-        </p:txBody>
-      </p:sp>
-      <p:sp>
-        <p:nvSpPr>
-          <p:cNvPr id="3" name="Title 2"/>
-          <p:cNvSpPr>
-            <a:spLocks noGrp="1"/>
-          </p:cNvSpPr>
-          <p:nvPr>
-            <p:ph type="title"/>
-          </p:nvPr>
-        </p:nvSpPr>
-        <p:spPr/>
-        <p:txBody>
-          <a:bodyPr/>
-          <a:lstStyle/>
-          <a:p>
-            <a:r>
-              <a:rPr lang="en-US" dirty="0" smtClean="0"/>
-              <a:t>Tools Used</a:t>
-            </a:r>
-            <a:endParaRPr lang="en-US" dirty="0"/>
-          </a:p>
-        </p:txBody>
-      </p:sp>
-    </p:spTree>
-    <p:extLst>
-      <p:ext uri="{BB962C8B-B14F-4D97-AF65-F5344CB8AC3E}">
-        <p14:creationId xmlns:p14="http://schemas.microsoft.com/office/powerpoint/2010/main" val="3758529829"/>
-      </p:ext>
-    </p:extLst>
-  </p:cSld>
-  <p:clrMapOvr>
-    <a:masterClrMapping/>
-  </p:clrMapOvr>
-  <p:timing>
-    <p:tnLst>
-      <p:par>
-        <p:cTn id="1" dur="indefinite" restart="never" nodeType="tmRoot"/>
-      </p:par>
-    </p:tnLst>
-  </p:timing>
-</p:sld>
-</file>
-
-<file path=ppt/slides/slide9.xml><?xml version="1.0" encoding="utf-8"?>
-<p:sld xmlns:a="http://schemas.openxmlformats.org/drawingml/2006/main" xmlns:r="http://schemas.openxmlformats.org/officeDocument/2006/relationships" xmlns:p="http://schemas.openxmlformats.org/presentationml/2006/main">
-  <p:cSld>
-    <p:spTree>
-      <p:nvGrpSpPr>
-        <p:cNvPr id="1" name=""/>
-        <p:cNvGrpSpPr/>
-        <p:nvPr/>
-      </p:nvGrpSpPr>
-      <p:grpSpPr>
-        <a:xfrm>
-          <a:off x="0" y="0"/>
-          <a:ext cx="0" cy="0"/>
-          <a:chOff x="0" y="0"/>
-          <a:chExt cx="0" cy="0"/>
-        </a:xfrm>
-      </p:grpSpPr>
-      <p:sp>
-        <p:nvSpPr>
-          <p:cNvPr id="2" name="Content Placeholder 1"/>
-          <p:cNvSpPr>
-            <a:spLocks noGrp="1"/>
-          </p:cNvSpPr>
-          <p:nvPr>
-            <p:ph idx="1"/>
-          </p:nvPr>
-        </p:nvSpPr>
-        <p:spPr/>
-        <p:txBody>
-          <a:bodyPr>
-            <a:normAutofit lnSpcReduction="10000"/>
-          </a:bodyPr>
-          <a:lstStyle/>
-          <a:p>
-            <a:r>
-              <a:rPr lang="en-US" dirty="0" smtClean="0"/>
-              <a:t>What we aren’t analyzing</a:t>
-            </a:r>
-          </a:p>
-          <a:p>
-            <a:pPr lvl="1"/>
-            <a:r>
-              <a:rPr lang="en-US" dirty="0" err="1" smtClean="0"/>
-              <a:t>Linq</a:t>
-            </a:r>
-            <a:endParaRPr lang="en-US" dirty="0" smtClean="0"/>
-          </a:p>
-          <a:p>
-            <a:pPr lvl="1"/>
-            <a:r>
-              <a:rPr lang="en-US" dirty="0" smtClean="0"/>
-              <a:t>return</a:t>
-            </a:r>
-          </a:p>
-          <a:p>
-            <a:pPr lvl="1"/>
-            <a:r>
-              <a:rPr lang="en-US" dirty="0" smtClean="0"/>
-              <a:t>throw</a:t>
-            </a:r>
-          </a:p>
-          <a:p>
-            <a:pPr lvl="1"/>
-            <a:r>
-              <a:rPr lang="en-US" dirty="0" err="1" smtClean="0"/>
-              <a:t>var</a:t>
-            </a:r>
-            <a:endParaRPr lang="en-US" dirty="0" smtClean="0"/>
-          </a:p>
-          <a:p>
-            <a:pPr lvl="1"/>
-            <a:r>
-              <a:rPr lang="en-US" dirty="0" smtClean="0"/>
-              <a:t>Lambda expressions</a:t>
-            </a:r>
-          </a:p>
-          <a:p>
-            <a:pPr lvl="1"/>
-            <a:r>
-              <a:rPr lang="en-US" dirty="0" smtClean="0"/>
-              <a:t>Field Initialization</a:t>
-            </a:r>
-          </a:p>
-          <a:p>
-            <a:pPr lvl="1"/>
-            <a:r>
-              <a:rPr lang="en-US" dirty="0" smtClean="0"/>
-              <a:t>Conditional evaluations</a:t>
-            </a:r>
-          </a:p>
-          <a:p>
-            <a:pPr lvl="1"/>
-            <a:r>
-              <a:rPr lang="en-US" dirty="0" smtClean="0"/>
-              <a:t>Dynamics (?)</a:t>
-            </a:r>
-          </a:p>
-          <a:p>
-            <a:pPr lvl="1"/>
-            <a:r>
-              <a:rPr lang="en-US" dirty="0" smtClean="0"/>
-              <a:t>Unary Bit Shift operator (?)</a:t>
-            </a:r>
-          </a:p>
-          <a:p>
-            <a:pPr lvl="1"/>
-            <a:r>
-              <a:rPr lang="en-US" dirty="0" smtClean="0"/>
-              <a:t>Classes declared in classes</a:t>
-            </a:r>
-          </a:p>
-          <a:p>
-            <a:pPr lvl="1"/>
-            <a:r>
-              <a:rPr lang="en-US" dirty="0" smtClean="0"/>
-              <a:t>Constant Variables</a:t>
-            </a:r>
-            <a:endParaRPr lang="en-US" dirty="0"/>
-          </a:p>
-          <a:p>
-            <a:pPr lvl="1"/>
-            <a:endParaRPr lang="en-US" dirty="0" smtClean="0"/>
-          </a:p>
-          <a:p>
-            <a:pPr lvl="1"/>
-            <a:endParaRPr lang="en-US" dirty="0" smtClean="0"/>
-          </a:p>
-        </p:txBody>
-      </p:sp>
-      <p:sp>
-        <p:nvSpPr>
-          <p:cNvPr id="3" name="Title 2"/>
-          <p:cNvSpPr>
-            <a:spLocks noGrp="1"/>
-          </p:cNvSpPr>
-          <p:nvPr>
-            <p:ph type="title"/>
-          </p:nvPr>
-        </p:nvSpPr>
-        <p:spPr/>
-        <p:txBody>
-          <a:bodyPr/>
-          <a:lstStyle/>
-          <a:p>
-            <a:r>
-              <a:rPr lang="en-US" dirty="0" smtClean="0"/>
-              <a:t>Current Known Limitations</a:t>
-            </a:r>
-            <a:endParaRPr lang="en-US" dirty="0"/>
-          </a:p>
-        </p:txBody>
-      </p:sp>
-      <p:sp>
-        <p:nvSpPr>
-          <p:cNvPr id="4" name="TextBox 3"/>
-          <p:cNvSpPr txBox="1"/>
+      <p:pic>
+        <p:nvPicPr>
+          <p:cNvPr id="10" name="Picture 9"/>
+          <p:cNvPicPr>
+            <a:picLocks noChangeAspect="1"/>
+          </p:cNvPicPr>
           <p:nvPr/>
-        </p:nvSpPr>
+        </p:nvPicPr>
+        <p:blipFill>
+          <a:blip r:embed="rId4">
+            <a:extLst>
+              <a:ext uri="{28A0092B-C50C-407E-A947-70E740481C1C}">
+                <a14:useLocalDpi xmlns:a14="http://schemas.microsoft.com/office/drawing/2010/main" val="0"/>
+              </a:ext>
+            </a:extLst>
+          </a:blip>
+          <a:stretch>
+            <a:fillRect/>
+          </a:stretch>
+        </p:blipFill>
         <p:spPr>
           <a:xfrm>
-            <a:off x="7315200" y="6324600"/>
-            <a:ext cx="1758815" cy="369332"/>
+            <a:off x="2209801" y="2286000"/>
+            <a:ext cx="1131842" cy="1181052"/>
           </a:xfrm>
           <a:prstGeom prst="rect">
             <a:avLst/>
           </a:prstGeom>
-          <a:noFill/>
         </p:spPr>
-        <p:txBody>
-          <a:bodyPr wrap="none" rtlCol="0">
-            <a:spAutoFit/>
-          </a:bodyPr>
-          <a:lstStyle/>
-          <a:p>
-            <a:pPr algn="ctr"/>
-            <a:r>
-              <a:rPr lang="en-US" dirty="0" smtClean="0"/>
-              <a:t>(?) = Untested</a:t>
-            </a:r>
-            <a:endParaRPr lang="en-US" dirty="0"/>
-          </a:p>
-        </p:txBody>
-      </p:sp>
+      </p:pic>
     </p:spTree>
     <p:extLst>
       <p:ext uri="{BB962C8B-B14F-4D97-AF65-F5344CB8AC3E}">

--- a/Presentation.pptx
+++ b/Presentation.pptx
@@ -146,6 +146,18 @@
 </p:presentation>
 </file>
 
+<file path=ppt/commentAuthors.xml><?xml version="1.0" encoding="utf-8"?>
+<p:cmAuthorLst xmlns:a="http://schemas.openxmlformats.org/drawingml/2006/main" xmlns:r="http://schemas.openxmlformats.org/officeDocument/2006/relationships" xmlns:p="http://schemas.openxmlformats.org/presentationml/2006/main">
+  <p:cmAuthor id="1" name="Leon R. Organ" initials="LRO" lastIdx="1" clrIdx="0">
+    <p:extLst>
+      <p:ext uri="{19B8F6BF-5375-455C-9EA6-DF929625EA0E}">
+        <p15:presenceInfo xmlns:p15="http://schemas.microsoft.com/office/powerpoint/2012/main" userId="S-1-5-21-51075319-419905972-1671001103-6900" providerId="AD"/>
+      </p:ext>
+    </p:extLst>
+  </p:cmAuthor>
+</p:cmAuthorLst>
+</file>
+
 <file path=ppt/notesMasters/notesMaster1.xml><?xml version="1.0" encoding="utf-8"?>
 <p:notesMaster xmlns:a="http://schemas.openxmlformats.org/drawingml/2006/main" xmlns:r="http://schemas.openxmlformats.org/officeDocument/2006/relationships" xmlns:p="http://schemas.openxmlformats.org/presentationml/2006/main">
   <p:cSld>
@@ -494,6 +506,650 @@
     </a:lvl9pPr>
   </p:notesStyle>
 </p:notesMaster>
+</file>
+
+<file path=ppt/notesSlides/notesSlide1.xml><?xml version="1.0" encoding="utf-8"?>
+<p:notes xmlns:a="http://schemas.openxmlformats.org/drawingml/2006/main" xmlns:r="http://schemas.openxmlformats.org/officeDocument/2006/relationships" xmlns:p="http://schemas.openxmlformats.org/presentationml/2006/main">
+  <p:cSld>
+    <p:spTree>
+      <p:nvGrpSpPr>
+        <p:cNvPr id="1" name=""/>
+        <p:cNvGrpSpPr/>
+        <p:nvPr/>
+      </p:nvGrpSpPr>
+      <p:grpSpPr>
+        <a:xfrm>
+          <a:off x="0" y="0"/>
+          <a:ext cx="0" cy="0"/>
+          <a:chOff x="0" y="0"/>
+          <a:chExt cx="0" cy="0"/>
+        </a:xfrm>
+      </p:grpSpPr>
+      <p:sp>
+        <p:nvSpPr>
+          <p:cNvPr id="2" name="Slide Image Placeholder 1"/>
+          <p:cNvSpPr>
+            <a:spLocks noGrp="1" noRot="1" noChangeAspect="1"/>
+          </p:cNvSpPr>
+          <p:nvPr>
+            <p:ph type="sldImg"/>
+          </p:nvPr>
+        </p:nvSpPr>
+        <p:spPr/>
+      </p:sp>
+      <p:sp>
+        <p:nvSpPr>
+          <p:cNvPr id="3" name="Notes Placeholder 2"/>
+          <p:cNvSpPr>
+            <a:spLocks noGrp="1"/>
+          </p:cNvSpPr>
+          <p:nvPr>
+            <p:ph type="body" idx="1"/>
+          </p:nvPr>
+        </p:nvSpPr>
+        <p:spPr/>
+        <p:txBody>
+          <a:bodyPr/>
+          <a:lstStyle/>
+          <a:p>
+            <a:r>
+              <a:rPr lang="en-US" dirty="0" smtClean="0"/>
+              <a:t>Jon Fuller</a:t>
+            </a:r>
+            <a:r>
+              <a:rPr lang="en-US" baseline="0" dirty="0" smtClean="0"/>
+              <a:t> pitched the original idea.</a:t>
+            </a:r>
+            <a:endParaRPr lang="en-US" dirty="0"/>
+          </a:p>
+        </p:txBody>
+      </p:sp>
+      <p:sp>
+        <p:nvSpPr>
+          <p:cNvPr id="4" name="Slide Number Placeholder 3"/>
+          <p:cNvSpPr>
+            <a:spLocks noGrp="1"/>
+          </p:cNvSpPr>
+          <p:nvPr>
+            <p:ph type="sldNum" sz="quarter" idx="10"/>
+          </p:nvPr>
+        </p:nvSpPr>
+        <p:spPr/>
+        <p:txBody>
+          <a:bodyPr/>
+          <a:lstStyle/>
+          <a:p>
+            <a:fld id="{D2F25352-4265-4F9F-B34B-90290E760424}" type="slidenum">
+              <a:rPr lang="en-US" smtClean="0"/>
+              <a:t>1</a:t>
+            </a:fld>
+            <a:endParaRPr lang="en-US"/>
+          </a:p>
+        </p:txBody>
+      </p:sp>
+    </p:spTree>
+    <p:extLst>
+      <p:ext uri="{BB962C8B-B14F-4D97-AF65-F5344CB8AC3E}">
+        <p14:creationId xmlns:p14="http://schemas.microsoft.com/office/powerpoint/2010/main" val="99223935"/>
+      </p:ext>
+    </p:extLst>
+  </p:cSld>
+  <p:clrMapOvr>
+    <a:masterClrMapping/>
+  </p:clrMapOvr>
+</p:notes>
+</file>
+
+<file path=ppt/notesSlides/notesSlide2.xml><?xml version="1.0" encoding="utf-8"?>
+<p:notes xmlns:a="http://schemas.openxmlformats.org/drawingml/2006/main" xmlns:r="http://schemas.openxmlformats.org/officeDocument/2006/relationships" xmlns:p="http://schemas.openxmlformats.org/presentationml/2006/main">
+  <p:cSld>
+    <p:spTree>
+      <p:nvGrpSpPr>
+        <p:cNvPr id="1" name=""/>
+        <p:cNvGrpSpPr/>
+        <p:nvPr/>
+      </p:nvGrpSpPr>
+      <p:grpSpPr>
+        <a:xfrm>
+          <a:off x="0" y="0"/>
+          <a:ext cx="0" cy="0"/>
+          <a:chOff x="0" y="0"/>
+          <a:chExt cx="0" cy="0"/>
+        </a:xfrm>
+      </p:grpSpPr>
+      <p:sp>
+        <p:nvSpPr>
+          <p:cNvPr id="2" name="Slide Image Placeholder 1"/>
+          <p:cNvSpPr>
+            <a:spLocks noGrp="1" noRot="1" noChangeAspect="1"/>
+          </p:cNvSpPr>
+          <p:nvPr>
+            <p:ph type="sldImg"/>
+          </p:nvPr>
+        </p:nvSpPr>
+        <p:spPr/>
+      </p:sp>
+      <p:sp>
+        <p:nvSpPr>
+          <p:cNvPr id="3" name="Notes Placeholder 2"/>
+          <p:cNvSpPr>
+            <a:spLocks noGrp="1"/>
+          </p:cNvSpPr>
+          <p:nvPr>
+            <p:ph type="body" idx="1"/>
+          </p:nvPr>
+        </p:nvSpPr>
+        <p:spPr/>
+        <p:txBody>
+          <a:bodyPr/>
+          <a:lstStyle/>
+          <a:p>
+            <a:r>
+              <a:rPr lang="en-US" dirty="0" smtClean="0"/>
+              <a:t>The</a:t>
+            </a:r>
+            <a:r>
+              <a:rPr lang="en-US" baseline="0" dirty="0" smtClean="0"/>
+              <a:t> idea is to retain the tactile engagement, but also showcase something that makes SEP look cool and interesting.</a:t>
+            </a:r>
+            <a:endParaRPr lang="en-US" dirty="0"/>
+          </a:p>
+        </p:txBody>
+      </p:sp>
+      <p:sp>
+        <p:nvSpPr>
+          <p:cNvPr id="4" name="Slide Number Placeholder 3"/>
+          <p:cNvSpPr>
+            <a:spLocks noGrp="1"/>
+          </p:cNvSpPr>
+          <p:nvPr>
+            <p:ph type="sldNum" sz="quarter" idx="10"/>
+          </p:nvPr>
+        </p:nvSpPr>
+        <p:spPr/>
+        <p:txBody>
+          <a:bodyPr/>
+          <a:lstStyle/>
+          <a:p>
+            <a:fld id="{D2F25352-4265-4F9F-B34B-90290E760424}" type="slidenum">
+              <a:rPr lang="en-US" smtClean="0"/>
+              <a:t>2</a:t>
+            </a:fld>
+            <a:endParaRPr lang="en-US"/>
+          </a:p>
+        </p:txBody>
+      </p:sp>
+    </p:spTree>
+    <p:extLst>
+      <p:ext uri="{BB962C8B-B14F-4D97-AF65-F5344CB8AC3E}">
+        <p14:creationId xmlns:p14="http://schemas.microsoft.com/office/powerpoint/2010/main" val="3460268030"/>
+      </p:ext>
+    </p:extLst>
+  </p:cSld>
+  <p:clrMapOvr>
+    <a:masterClrMapping/>
+  </p:clrMapOvr>
+</p:notes>
+</file>
+
+<file path=ppt/notesSlides/notesSlide3.xml><?xml version="1.0" encoding="utf-8"?>
+<p:notes xmlns:a="http://schemas.openxmlformats.org/drawingml/2006/main" xmlns:r="http://schemas.openxmlformats.org/officeDocument/2006/relationships" xmlns:p="http://schemas.openxmlformats.org/presentationml/2006/main">
+  <p:cSld>
+    <p:spTree>
+      <p:nvGrpSpPr>
+        <p:cNvPr id="1" name=""/>
+        <p:cNvGrpSpPr/>
+        <p:nvPr/>
+      </p:nvGrpSpPr>
+      <p:grpSpPr>
+        <a:xfrm>
+          <a:off x="0" y="0"/>
+          <a:ext cx="0" cy="0"/>
+          <a:chOff x="0" y="0"/>
+          <a:chExt cx="0" cy="0"/>
+        </a:xfrm>
+      </p:grpSpPr>
+      <p:sp>
+        <p:nvSpPr>
+          <p:cNvPr id="2" name="Slide Image Placeholder 1"/>
+          <p:cNvSpPr>
+            <a:spLocks noGrp="1" noRot="1" noChangeAspect="1"/>
+          </p:cNvSpPr>
+          <p:nvPr>
+            <p:ph type="sldImg"/>
+          </p:nvPr>
+        </p:nvSpPr>
+        <p:spPr/>
+      </p:sp>
+      <p:sp>
+        <p:nvSpPr>
+          <p:cNvPr id="3" name="Notes Placeholder 2"/>
+          <p:cNvSpPr>
+            <a:spLocks noGrp="1"/>
+          </p:cNvSpPr>
+          <p:nvPr>
+            <p:ph type="body" idx="1"/>
+          </p:nvPr>
+        </p:nvSpPr>
+        <p:spPr/>
+        <p:txBody>
+          <a:bodyPr/>
+          <a:lstStyle/>
+          <a:p>
+            <a:r>
+              <a:rPr lang="en-US" dirty="0" smtClean="0"/>
+              <a:t>From leap: </a:t>
+            </a:r>
+          </a:p>
+          <a:p>
+            <a:r>
+              <a:rPr lang="en-US" dirty="0" smtClean="0"/>
+              <a:t>The Leap Motion Controller senses how you naturally move your hands and lets you use your computer in a whole new way. Point, wave, reach, grab. Pick something up and move it. Do things you never dreamed possible</a:t>
+            </a:r>
+          </a:p>
+          <a:p>
+            <a:endParaRPr lang="en-US" dirty="0" smtClean="0"/>
+          </a:p>
+          <a:p>
+            <a:r>
+              <a:rPr lang="en-US" dirty="0" smtClean="0"/>
+              <a:t>The controller uses twin IR cameras,</a:t>
+            </a:r>
+            <a:r>
+              <a:rPr lang="en-US" baseline="0" dirty="0" smtClean="0"/>
+              <a:t> this </a:t>
+            </a:r>
+            <a:r>
+              <a:rPr lang="en-US" dirty="0" smtClean="0"/>
+              <a:t>is similar to a Kinect in that it uses optical sensors to detect physical presence and motion.  It is designed</a:t>
+            </a:r>
+            <a:r>
+              <a:rPr lang="en-US" baseline="0" dirty="0" smtClean="0"/>
+              <a:t> to work from the table top or attached to VR glasses lie </a:t>
+            </a:r>
+            <a:r>
+              <a:rPr lang="en-US" baseline="0" dirty="0" err="1" smtClean="0"/>
+              <a:t>Occulus</a:t>
+            </a:r>
+            <a:r>
+              <a:rPr lang="en-US" baseline="0" dirty="0" smtClean="0"/>
+              <a:t>.  </a:t>
+            </a:r>
+            <a:r>
+              <a:rPr lang="en-US" dirty="0" smtClean="0"/>
+              <a:t>It</a:t>
+            </a:r>
+            <a:r>
+              <a:rPr lang="en-US" baseline="0" dirty="0" smtClean="0"/>
+              <a:t> really feels like it should still be in Beta because anything complicated or intricate you would want to do isn’t reliable.  One of the biggest limitations is that it can’t see both sides of your hands.  It also gets incredibly confused if you touch your hands together.</a:t>
+            </a:r>
+            <a:endParaRPr lang="en-US" dirty="0"/>
+          </a:p>
+        </p:txBody>
+      </p:sp>
+      <p:sp>
+        <p:nvSpPr>
+          <p:cNvPr id="4" name="Slide Number Placeholder 3"/>
+          <p:cNvSpPr>
+            <a:spLocks noGrp="1"/>
+          </p:cNvSpPr>
+          <p:nvPr>
+            <p:ph type="sldNum" sz="quarter" idx="10"/>
+          </p:nvPr>
+        </p:nvSpPr>
+        <p:spPr/>
+        <p:txBody>
+          <a:bodyPr/>
+          <a:lstStyle/>
+          <a:p>
+            <a:fld id="{D2F25352-4265-4F9F-B34B-90290E760424}" type="slidenum">
+              <a:rPr lang="en-US" smtClean="0"/>
+              <a:t>3</a:t>
+            </a:fld>
+            <a:endParaRPr lang="en-US"/>
+          </a:p>
+        </p:txBody>
+      </p:sp>
+    </p:spTree>
+    <p:extLst>
+      <p:ext uri="{BB962C8B-B14F-4D97-AF65-F5344CB8AC3E}">
+        <p14:creationId xmlns:p14="http://schemas.microsoft.com/office/powerpoint/2010/main" val="34138763"/>
+      </p:ext>
+    </p:extLst>
+  </p:cSld>
+  <p:clrMapOvr>
+    <a:masterClrMapping/>
+  </p:clrMapOvr>
+</p:notes>
+</file>
+
+<file path=ppt/notesSlides/notesSlide4.xml><?xml version="1.0" encoding="utf-8"?>
+<p:notes xmlns:a="http://schemas.openxmlformats.org/drawingml/2006/main" xmlns:r="http://schemas.openxmlformats.org/officeDocument/2006/relationships" xmlns:p="http://schemas.openxmlformats.org/presentationml/2006/main">
+  <p:cSld>
+    <p:spTree>
+      <p:nvGrpSpPr>
+        <p:cNvPr id="1" name=""/>
+        <p:cNvGrpSpPr/>
+        <p:nvPr/>
+      </p:nvGrpSpPr>
+      <p:grpSpPr>
+        <a:xfrm>
+          <a:off x="0" y="0"/>
+          <a:ext cx="0" cy="0"/>
+          <a:chOff x="0" y="0"/>
+          <a:chExt cx="0" cy="0"/>
+        </a:xfrm>
+      </p:grpSpPr>
+      <p:sp>
+        <p:nvSpPr>
+          <p:cNvPr id="2" name="Slide Image Placeholder 1"/>
+          <p:cNvSpPr>
+            <a:spLocks noGrp="1" noRot="1" noChangeAspect="1"/>
+          </p:cNvSpPr>
+          <p:nvPr>
+            <p:ph type="sldImg"/>
+          </p:nvPr>
+        </p:nvSpPr>
+        <p:spPr/>
+      </p:sp>
+      <p:sp>
+        <p:nvSpPr>
+          <p:cNvPr id="3" name="Notes Placeholder 2"/>
+          <p:cNvSpPr>
+            <a:spLocks noGrp="1"/>
+          </p:cNvSpPr>
+          <p:nvPr>
+            <p:ph type="body" idx="1"/>
+          </p:nvPr>
+        </p:nvSpPr>
+        <p:spPr/>
+        <p:txBody>
+          <a:bodyPr/>
+          <a:lstStyle/>
+          <a:p>
+            <a:r>
+              <a:rPr lang="en-US" dirty="0" smtClean="0"/>
+              <a:t>Developers love scope</a:t>
+            </a:r>
+            <a:r>
+              <a:rPr lang="en-US" baseline="0" dirty="0" smtClean="0"/>
+              <a:t> creep.</a:t>
+            </a:r>
+            <a:endParaRPr lang="en-US" dirty="0"/>
+          </a:p>
+        </p:txBody>
+      </p:sp>
+      <p:sp>
+        <p:nvSpPr>
+          <p:cNvPr id="4" name="Slide Number Placeholder 3"/>
+          <p:cNvSpPr>
+            <a:spLocks noGrp="1"/>
+          </p:cNvSpPr>
+          <p:nvPr>
+            <p:ph type="sldNum" sz="quarter" idx="10"/>
+          </p:nvPr>
+        </p:nvSpPr>
+        <p:spPr/>
+        <p:txBody>
+          <a:bodyPr/>
+          <a:lstStyle/>
+          <a:p>
+            <a:fld id="{D2F25352-4265-4F9F-B34B-90290E760424}" type="slidenum">
+              <a:rPr lang="en-US" smtClean="0"/>
+              <a:t>4</a:t>
+            </a:fld>
+            <a:endParaRPr lang="en-US"/>
+          </a:p>
+        </p:txBody>
+      </p:sp>
+    </p:spTree>
+    <p:extLst>
+      <p:ext uri="{BB962C8B-B14F-4D97-AF65-F5344CB8AC3E}">
+        <p14:creationId xmlns:p14="http://schemas.microsoft.com/office/powerpoint/2010/main" val="3059760782"/>
+      </p:ext>
+    </p:extLst>
+  </p:cSld>
+  <p:clrMapOvr>
+    <a:masterClrMapping/>
+  </p:clrMapOvr>
+</p:notes>
+</file>
+
+<file path=ppt/notesSlides/notesSlide5.xml><?xml version="1.0" encoding="utf-8"?>
+<p:notes xmlns:a="http://schemas.openxmlformats.org/drawingml/2006/main" xmlns:r="http://schemas.openxmlformats.org/officeDocument/2006/relationships" xmlns:p="http://schemas.openxmlformats.org/presentationml/2006/main">
+  <p:cSld>
+    <p:spTree>
+      <p:nvGrpSpPr>
+        <p:cNvPr id="1" name=""/>
+        <p:cNvGrpSpPr/>
+        <p:nvPr/>
+      </p:nvGrpSpPr>
+      <p:grpSpPr>
+        <a:xfrm>
+          <a:off x="0" y="0"/>
+          <a:ext cx="0" cy="0"/>
+          <a:chOff x="0" y="0"/>
+          <a:chExt cx="0" cy="0"/>
+        </a:xfrm>
+      </p:grpSpPr>
+      <p:sp>
+        <p:nvSpPr>
+          <p:cNvPr id="2" name="Slide Image Placeholder 1"/>
+          <p:cNvSpPr>
+            <a:spLocks noGrp="1" noRot="1" noChangeAspect="1"/>
+          </p:cNvSpPr>
+          <p:nvPr>
+            <p:ph type="sldImg"/>
+          </p:nvPr>
+        </p:nvSpPr>
+        <p:spPr/>
+      </p:sp>
+      <p:sp>
+        <p:nvSpPr>
+          <p:cNvPr id="3" name="Notes Placeholder 2"/>
+          <p:cNvSpPr>
+            <a:spLocks noGrp="1"/>
+          </p:cNvSpPr>
+          <p:nvPr>
+            <p:ph type="body" idx="1"/>
+          </p:nvPr>
+        </p:nvSpPr>
+        <p:spPr/>
+        <p:txBody>
+          <a:bodyPr/>
+          <a:lstStyle/>
+          <a:p>
+            <a:r>
+              <a:rPr lang="en-US" dirty="0" smtClean="0"/>
+              <a:t>The</a:t>
+            </a:r>
+            <a:r>
+              <a:rPr lang="en-US" baseline="0" dirty="0" smtClean="0"/>
+              <a:t> leap is designed to work directly with</a:t>
+            </a:r>
+          </a:p>
+          <a:p>
+            <a:r>
+              <a:rPr lang="en-US" b="1" baseline="0" dirty="0" smtClean="0"/>
+              <a:t>Unity</a:t>
+            </a:r>
+            <a:endParaRPr lang="en-US" baseline="0" dirty="0" smtClean="0"/>
+          </a:p>
+          <a:p>
+            <a:r>
+              <a:rPr lang="en-US" b="1" dirty="0" smtClean="0"/>
+              <a:t>Unreal Engine 4</a:t>
+            </a:r>
+          </a:p>
+          <a:p>
+            <a:r>
+              <a:rPr lang="en-US" b="1" dirty="0" err="1" smtClean="0"/>
+              <a:t>Javascript</a:t>
+            </a:r>
+            <a:endParaRPr lang="en-US" b="1" dirty="0" smtClean="0"/>
+          </a:p>
+          <a:p>
+            <a:r>
+              <a:rPr lang="en-US" b="1" dirty="0" smtClean="0"/>
+              <a:t>C++</a:t>
+            </a:r>
+          </a:p>
+          <a:p>
+            <a:r>
+              <a:rPr lang="en-US" b="1" dirty="0" smtClean="0"/>
+              <a:t>Java</a:t>
+            </a:r>
+          </a:p>
+          <a:p>
+            <a:r>
+              <a:rPr lang="en-US" b="1" dirty="0" smtClean="0"/>
+              <a:t>Python</a:t>
+            </a:r>
+          </a:p>
+          <a:p>
+            <a:r>
+              <a:rPr lang="en-US" b="1" dirty="0" smtClean="0"/>
+              <a:t>Objective</a:t>
+            </a:r>
+            <a:r>
+              <a:rPr lang="en-US" b="1" baseline="0" dirty="0" smtClean="0"/>
+              <a:t> C</a:t>
+            </a:r>
+          </a:p>
+          <a:p>
+            <a:endParaRPr lang="en-US" b="1" baseline="0" dirty="0" smtClean="0"/>
+          </a:p>
+          <a:p>
+            <a:r>
+              <a:rPr lang="en-US" b="0" baseline="0" dirty="0" smtClean="0"/>
+              <a:t>Unity work with a combination of proprietary binary file types and C# scripts.</a:t>
+            </a:r>
+            <a:endParaRPr lang="en-US" b="0" dirty="0"/>
+          </a:p>
+        </p:txBody>
+      </p:sp>
+      <p:sp>
+        <p:nvSpPr>
+          <p:cNvPr id="4" name="Slide Number Placeholder 3"/>
+          <p:cNvSpPr>
+            <a:spLocks noGrp="1"/>
+          </p:cNvSpPr>
+          <p:nvPr>
+            <p:ph type="sldNum" sz="quarter" idx="10"/>
+          </p:nvPr>
+        </p:nvSpPr>
+        <p:spPr/>
+        <p:txBody>
+          <a:bodyPr/>
+          <a:lstStyle/>
+          <a:p>
+            <a:fld id="{D2F25352-4265-4F9F-B34B-90290E760424}" type="slidenum">
+              <a:rPr lang="en-US" smtClean="0"/>
+              <a:t>5</a:t>
+            </a:fld>
+            <a:endParaRPr lang="en-US"/>
+          </a:p>
+        </p:txBody>
+      </p:sp>
+    </p:spTree>
+    <p:extLst>
+      <p:ext uri="{BB962C8B-B14F-4D97-AF65-F5344CB8AC3E}">
+        <p14:creationId xmlns:p14="http://schemas.microsoft.com/office/powerpoint/2010/main" val="2570158771"/>
+      </p:ext>
+    </p:extLst>
+  </p:cSld>
+  <p:clrMapOvr>
+    <a:masterClrMapping/>
+  </p:clrMapOvr>
+</p:notes>
+</file>
+
+<file path=ppt/notesSlides/notesSlide6.xml><?xml version="1.0" encoding="utf-8"?>
+<p:notes xmlns:a="http://schemas.openxmlformats.org/drawingml/2006/main" xmlns:r="http://schemas.openxmlformats.org/officeDocument/2006/relationships" xmlns:p="http://schemas.openxmlformats.org/presentationml/2006/main">
+  <p:cSld>
+    <p:spTree>
+      <p:nvGrpSpPr>
+        <p:cNvPr id="1" name=""/>
+        <p:cNvGrpSpPr/>
+        <p:nvPr/>
+      </p:nvGrpSpPr>
+      <p:grpSpPr>
+        <a:xfrm>
+          <a:off x="0" y="0"/>
+          <a:ext cx="0" cy="0"/>
+          <a:chOff x="0" y="0"/>
+          <a:chExt cx="0" cy="0"/>
+        </a:xfrm>
+      </p:grpSpPr>
+      <p:sp>
+        <p:nvSpPr>
+          <p:cNvPr id="2" name="Slide Image Placeholder 1"/>
+          <p:cNvSpPr>
+            <a:spLocks noGrp="1" noRot="1" noChangeAspect="1"/>
+          </p:cNvSpPr>
+          <p:nvPr>
+            <p:ph type="sldImg"/>
+          </p:nvPr>
+        </p:nvSpPr>
+        <p:spPr/>
+      </p:sp>
+      <p:sp>
+        <p:nvSpPr>
+          <p:cNvPr id="3" name="Notes Placeholder 2"/>
+          <p:cNvSpPr>
+            <a:spLocks noGrp="1"/>
+          </p:cNvSpPr>
+          <p:nvPr>
+            <p:ph type="body" idx="1"/>
+          </p:nvPr>
+        </p:nvSpPr>
+        <p:spPr/>
+        <p:txBody>
+          <a:bodyPr/>
+          <a:lstStyle/>
+          <a:p>
+            <a:r>
+              <a:rPr lang="en-US" dirty="0" smtClean="0"/>
+              <a:t>Demo</a:t>
+            </a:r>
+            <a:endParaRPr lang="en-US" dirty="0"/>
+          </a:p>
+        </p:txBody>
+      </p:sp>
+      <p:sp>
+        <p:nvSpPr>
+          <p:cNvPr id="4" name="Slide Number Placeholder 3"/>
+          <p:cNvSpPr>
+            <a:spLocks noGrp="1"/>
+          </p:cNvSpPr>
+          <p:nvPr>
+            <p:ph type="sldNum" sz="quarter" idx="10"/>
+          </p:nvPr>
+        </p:nvSpPr>
+        <p:spPr/>
+        <p:txBody>
+          <a:bodyPr/>
+          <a:lstStyle/>
+          <a:p>
+            <a:fld id="{D2F25352-4265-4F9F-B34B-90290E760424}" type="slidenum">
+              <a:rPr lang="en-US" smtClean="0"/>
+              <a:t>6</a:t>
+            </a:fld>
+            <a:endParaRPr lang="en-US"/>
+          </a:p>
+        </p:txBody>
+      </p:sp>
+    </p:spTree>
+    <p:extLst>
+      <p:ext uri="{BB962C8B-B14F-4D97-AF65-F5344CB8AC3E}">
+        <p14:creationId xmlns:p14="http://schemas.microsoft.com/office/powerpoint/2010/main" val="1773885762"/>
+      </p:ext>
+    </p:extLst>
+  </p:cSld>
+  <p:clrMapOvr>
+    <a:masterClrMapping/>
+  </p:clrMapOvr>
+</p:notes>
 </file>
 
 <file path=ppt/slideLayouts/slideLayout1.xml><?xml version="1.0" encoding="utf-8"?>
@@ -5070,11 +5726,11 @@
   <p:clrMapOvr>
     <a:masterClrMapping/>
   </p:clrMapOvr>
-  <mc:AlternateContent xmlns:mc="http://schemas.openxmlformats.org/markup-compatibility/2006" xmlns:p14="http://schemas.microsoft.com/office/powerpoint/2010/main">
-    <mc:Choice Requires="p14">
-      <p:transition p14:dur="0"/>
+  <mc:AlternateContent xmlns:mc="http://schemas.openxmlformats.org/markup-compatibility/2006">
+    <mc:Choice xmlns:p14="http://schemas.microsoft.com/office/powerpoint/2010/main" Requires="p14">
+      <p:transition p14:dur="10"/>
     </mc:Choice>
-    <mc:Fallback xmlns="">
+    <mc:Fallback>
       <p:transition/>
     </mc:Fallback>
   </mc:AlternateContent>
@@ -5127,12 +5783,16 @@
               <a:t>The </a:t>
             </a:r>
             <a:r>
+              <a:rPr lang="en-US" dirty="0" err="1"/>
+              <a:t>P</a:t>
+            </a:r>
+            <a:r>
               <a:rPr lang="en-US" dirty="0" err="1" smtClean="0"/>
-              <a:t>plinko</a:t>
+              <a:t>linko</a:t>
             </a:r>
             <a:r>
               <a:rPr lang="en-US" dirty="0" smtClean="0"/>
-              <a:t> board used by the recruiting team is unprofessional looking and kind of lame.</a:t>
+              <a:t> board used by the recruiting team is not “Pro” looking and kind of cheesy.</a:t>
             </a:r>
             <a:endParaRPr lang="en-US" dirty="0" smtClean="0"/>
           </a:p>
@@ -5169,14 +5829,14 @@
       </p:sp>
       <p:pic>
         <p:nvPicPr>
-          <p:cNvPr id="4" name="Picture 3"/>
+          <p:cNvPr id="5" name="Picture 4"/>
           <p:cNvPicPr>
             <a:picLocks noChangeAspect="1"/>
           </p:cNvPicPr>
           <p:nvPr/>
         </p:nvPicPr>
         <p:blipFill>
-          <a:blip r:embed="rId2" cstate="print">
+          <a:blip r:embed="rId3" cstate="print">
             <a:extLst>
               <a:ext uri="{28A0092B-C50C-407E-A947-70E740481C1C}">
                 <a14:useLocalDpi xmlns:a14="http://schemas.microsoft.com/office/drawing/2010/main" val="0"/>
@@ -5189,8 +5849,8 @@
         </p:blipFill>
         <p:spPr>
           <a:xfrm>
-            <a:off x="3505200" y="2438400"/>
-            <a:ext cx="2800350" cy="3733800"/>
+            <a:off x="3429000" y="2286000"/>
+            <a:ext cx="2309812" cy="4106332"/>
           </a:xfrm>
           <a:prstGeom prst="rect">
             <a:avLst/>
@@ -5243,7 +5903,7 @@
           <p:nvPr/>
         </p:nvPicPr>
         <p:blipFill>
-          <a:blip r:embed="rId2">
+          <a:blip r:embed="rId3">
             <a:extLst>
               <a:ext uri="{28A0092B-C50C-407E-A947-70E740481C1C}">
                 <a14:useLocalDpi xmlns:a14="http://schemas.microsoft.com/office/drawing/2010/main" val="0"/>
@@ -5375,7 +6035,7 @@
                 <a:solidFill>
                   <a:schemeClr val="bg1"/>
                 </a:solidFill>
-                <a:hlinkClick r:id="rId3"/>
+                <a:hlinkClick r:id="rId4"/>
               </a:rPr>
               <a:t>https://www.leapmotion.com/</a:t>
             </a:r>
@@ -5533,7 +6193,7 @@
           <p:nvPr/>
         </p:nvPicPr>
         <p:blipFill>
-          <a:blip r:embed="rId2">
+          <a:blip r:embed="rId3">
             <a:extLst>
               <a:ext uri="{28A0092B-C50C-407E-A947-70E740481C1C}">
                 <a14:useLocalDpi xmlns:a14="http://schemas.microsoft.com/office/drawing/2010/main" val="0"/>
@@ -5563,7 +6223,7 @@
           <p:nvPr/>
         </p:nvPicPr>
         <p:blipFill>
-          <a:blip r:embed="rId3">
+          <a:blip r:embed="rId4">
             <a:extLst>
               <a:ext uri="{28A0092B-C50C-407E-A947-70E740481C1C}">
                 <a14:useLocalDpi xmlns:a14="http://schemas.microsoft.com/office/drawing/2010/main" val="0"/>
@@ -5640,13 +6300,6 @@
               <a:rPr lang="en-US" dirty="0" smtClean="0"/>
               <a:t>Leap Motion</a:t>
             </a:r>
-            <a:endParaRPr lang="en-US" dirty="0" smtClean="0"/>
-          </a:p>
-          <a:p>
-            <a:r>
-              <a:rPr lang="en-US" dirty="0" smtClean="0"/>
-              <a:t>Leap Motion SDK</a:t>
-            </a:r>
           </a:p>
           <a:p>
             <a:r>
@@ -5761,7 +6414,7 @@
           <p:nvPr/>
         </p:nvPicPr>
         <p:blipFill>
-          <a:blip r:embed="rId2"/>
+          <a:blip r:embed="rId3"/>
           <a:stretch>
             <a:fillRect/>
           </a:stretch>
@@ -5785,7 +6438,7 @@
           <p:nvPr/>
         </p:nvPicPr>
         <p:blipFill>
-          <a:blip r:embed="rId3" cstate="print">
+          <a:blip r:embed="rId4" cstate="print">
             <a:extLst>
               <a:ext uri="{28A0092B-C50C-407E-A947-70E740481C1C}">
                 <a14:useLocalDpi xmlns:a14="http://schemas.microsoft.com/office/drawing/2010/main" val="0"/>
@@ -5815,7 +6468,7 @@
           <p:nvPr/>
         </p:nvPicPr>
         <p:blipFill>
-          <a:blip r:embed="rId4">
+          <a:blip r:embed="rId5">
             <a:extLst>
               <a:ext uri="{28A0092B-C50C-407E-A947-70E740481C1C}">
                 <a14:useLocalDpi xmlns:a14="http://schemas.microsoft.com/office/drawing/2010/main" val="0"/>
@@ -5924,39 +6577,8 @@
               <a:rPr lang="en-US" dirty="0"/>
             </a:br>
             <a:r>
-              <a:rPr lang="en-US" dirty="0" err="1" smtClean="0"/>
-              <a:t>Critisism</a:t>
-            </a:r>
-            <a:endParaRPr lang="en-US" dirty="0"/>
-          </a:p>
-        </p:txBody>
-      </p:sp>
-      <p:sp>
-        <p:nvSpPr>
-          <p:cNvPr id="4" name="TextBox 3"/>
-          <p:cNvSpPr txBox="1"/>
-          <p:nvPr/>
-        </p:nvSpPr>
-        <p:spPr>
-          <a:xfrm>
-            <a:off x="7315200" y="6324600"/>
-            <a:ext cx="1758815" cy="369332"/>
-          </a:xfrm>
-          <a:prstGeom prst="rect">
-            <a:avLst/>
-          </a:prstGeom>
-          <a:noFill/>
-        </p:spPr>
-        <p:txBody>
-          <a:bodyPr wrap="none" rtlCol="0">
-            <a:spAutoFit/>
-          </a:bodyPr>
-          <a:lstStyle/>
-          <a:p>
-            <a:pPr algn="ctr"/>
-            <a:r>
               <a:rPr lang="en-US" dirty="0" smtClean="0"/>
-              <a:t>(?) = Untested</a:t>
+              <a:t>Criticism</a:t>
             </a:r>
             <a:endParaRPr lang="en-US" dirty="0"/>
           </a:p>
